--- a/Projet Smart Patate.pptx
+++ b/Projet Smart Patate.pptx
@@ -5,14 +5,15 @@
     <p:sldMasterId id="2147483660" r:id="rId4"/>
   </p:sldMasterIdLst>
   <p:notesMasterIdLst>
-    <p:notesMasterId r:id="rId10"/>
+    <p:notesMasterId r:id="rId11"/>
   </p:notesMasterIdLst>
   <p:sldIdLst>
     <p:sldId id="256" r:id="rId5"/>
     <p:sldId id="257" r:id="rId6"/>
     <p:sldId id="259" r:id="rId7"/>
-    <p:sldId id="258" r:id="rId8"/>
-    <p:sldId id="260" r:id="rId9"/>
+    <p:sldId id="261" r:id="rId8"/>
+    <p:sldId id="258" r:id="rId9"/>
+    <p:sldId id="260" r:id="rId10"/>
   </p:sldIdLst>
   <p:sldSz cx="9144000" cy="6858000" type="screen4x3"/>
   <p:notesSz cx="6858000" cy="9144000"/>
@@ -113,7 +114,7 @@
   </p:defaultTextStyle>
   <p:extLst>
     <p:ext uri="{EFAFB233-063F-42B5-8137-9DF3F51BA10A}">
-      <p15:sldGuideLst xmlns:p15="http://schemas.microsoft.com/office/powerpoint/2012/main">
+      <p15:sldGuideLst xmlns:p15="http://schemas.microsoft.com/office/powerpoint/2012/main" xmlns="">
         <p15:guide id="1" orient="horz" pos="2160">
           <p15:clr>
             <a:srgbClr val="A4A3A4"/>
@@ -307,7 +308,6 @@
               <a:rPr lang="fr-FR"/>
               <a:t>Cinquième niveau</a:t>
             </a:r>
-            <a:endParaRPr lang="fr-FR"/>
           </a:p>
         </p:txBody>
       </p:sp>
@@ -545,7 +545,7 @@
           <a:p>
             <a:fld id="{F57F640E-7090-45A6-A98A-13CB8D9CB070}" type="slidenum">
               <a:rPr lang="fr-FR" smtClean="0"/>
-              <a:t>5</a:t>
+              <a:t>6</a:t>
             </a:fld>
             <a:endParaRPr lang="fr-FR"/>
           </a:p>
@@ -844,7 +844,7 @@
           <a:p>
             <a:fld id="{8B89CC76-7980-4869-905C-CE9132FE2E0C}" type="datetimeFigureOut">
               <a:rPr lang="fr-FR" smtClean="0"/>
-              <a:t>14/11/2016</a:t>
+              <a:t>15/11/2016</a:t>
             </a:fld>
             <a:endParaRPr lang="fr-FR"/>
           </a:p>
@@ -1237,7 +1237,7 @@
           <a:p>
             <a:fld id="{8B89CC76-7980-4869-905C-CE9132FE2E0C}" type="datetimeFigureOut">
               <a:rPr lang="fr-FR" smtClean="0"/>
-              <a:t>14/11/2016</a:t>
+              <a:t>15/11/2016</a:t>
             </a:fld>
             <a:endParaRPr lang="fr-FR"/>
           </a:p>
@@ -1769,7 +1769,7 @@
           <a:p>
             <a:fld id="{8B89CC76-7980-4869-905C-CE9132FE2E0C}" type="datetimeFigureOut">
               <a:rPr lang="fr-FR" smtClean="0"/>
-              <a:t>14/11/2016</a:t>
+              <a:t>15/11/2016</a:t>
             </a:fld>
             <a:endParaRPr lang="fr-FR"/>
           </a:p>
@@ -1902,7 +1902,7 @@
           <a:p>
             <a:fld id="{8B89CC76-7980-4869-905C-CE9132FE2E0C}" type="datetimeFigureOut">
               <a:rPr lang="fr-FR" smtClean="0"/>
-              <a:t>14/11/2016</a:t>
+              <a:t>15/11/2016</a:t>
             </a:fld>
             <a:endParaRPr lang="fr-FR"/>
           </a:p>
@@ -2445,7 +2445,7 @@
           <a:p>
             <a:fld id="{8B89CC76-7980-4869-905C-CE9132FE2E0C}" type="datetimeFigureOut">
               <a:rPr lang="fr-FR" smtClean="0"/>
-              <a:t>14/11/2016</a:t>
+              <a:t>15/11/2016</a:t>
             </a:fld>
             <a:endParaRPr lang="fr-FR"/>
           </a:p>
@@ -2740,7 +2740,7 @@
           <a:p>
             <a:fld id="{8B89CC76-7980-4869-905C-CE9132FE2E0C}" type="datetimeFigureOut">
               <a:rPr lang="fr-FR" smtClean="0"/>
-              <a:t>14/11/2016</a:t>
+              <a:t>15/11/2016</a:t>
             </a:fld>
             <a:endParaRPr lang="fr-FR"/>
           </a:p>
@@ -3399,7 +3399,7 @@
           <a:p>
             <a:fld id="{8B89CC76-7980-4869-905C-CE9132FE2E0C}" type="datetimeFigureOut">
               <a:rPr lang="fr-FR" smtClean="0"/>
-              <a:t>14/11/2016</a:t>
+              <a:t>15/11/2016</a:t>
             </a:fld>
             <a:endParaRPr lang="fr-FR"/>
           </a:p>
@@ -3835,7 +3835,7 @@
           <a:p>
             <a:fld id="{8B89CC76-7980-4869-905C-CE9132FE2E0C}" type="datetimeFigureOut">
               <a:rPr lang="fr-FR" smtClean="0"/>
-              <a:t>14/11/2016</a:t>
+              <a:t>15/11/2016</a:t>
             </a:fld>
             <a:endParaRPr lang="fr-FR"/>
           </a:p>
@@ -4148,7 +4148,7 @@
           <a:p>
             <a:fld id="{8B89CC76-7980-4869-905C-CE9132FE2E0C}" type="datetimeFigureOut">
               <a:rPr lang="fr-FR" smtClean="0"/>
-              <a:t>14/11/2016</a:t>
+              <a:t>15/11/2016</a:t>
             </a:fld>
             <a:endParaRPr lang="fr-FR"/>
           </a:p>
@@ -4880,7 +4880,7 @@
           <a:p>
             <a:fld id="{8B89CC76-7980-4869-905C-CE9132FE2E0C}" type="datetimeFigureOut">
               <a:rPr lang="fr-FR" smtClean="0"/>
-              <a:t>14/11/2016</a:t>
+              <a:t>15/11/2016</a:t>
             </a:fld>
             <a:endParaRPr lang="fr-FR"/>
           </a:p>
@@ -5544,7 +5544,7 @@
           <a:p>
             <a:fld id="{8B89CC76-7980-4869-905C-CE9132FE2E0C}" type="datetimeFigureOut">
               <a:rPr lang="fr-FR" smtClean="0"/>
-              <a:t>14/11/2016</a:t>
+              <a:t>15/11/2016</a:t>
             </a:fld>
             <a:endParaRPr lang="fr-FR"/>
           </a:p>
@@ -5817,7 +5817,7 @@
           <a:p>
             <a:fld id="{8B89CC76-7980-4869-905C-CE9132FE2E0C}" type="datetimeFigureOut">
               <a:rPr lang="fr-FR" smtClean="0"/>
-              <a:t>14/11/2016</a:t>
+              <a:t>15/11/2016</a:t>
             </a:fld>
             <a:endParaRPr lang="fr-FR"/>
           </a:p>
@@ -6929,6 +6929,169 @@
           <a:chExt cx="0" cy="0"/>
         </a:xfrm>
       </p:grpSpPr>
+      <p:sp>
+        <p:nvSpPr>
+          <p:cNvPr id="2" name="Titre 1"/>
+          <p:cNvSpPr>
+            <a:spLocks noGrp="1"/>
+          </p:cNvSpPr>
+          <p:nvPr>
+            <p:ph type="title"/>
+          </p:nvPr>
+        </p:nvSpPr>
+        <p:spPr/>
+        <p:txBody>
+          <a:bodyPr/>
+          <a:lstStyle/>
+          <a:p>
+            <a:r>
+              <a:rPr lang="fr-FR" smtClean="0"/>
+              <a:t>Code réalisé</a:t>
+            </a:r>
+            <a:endParaRPr lang="fr-FR"/>
+          </a:p>
+        </p:txBody>
+      </p:sp>
+      <p:pic>
+        <p:nvPicPr>
+          <p:cNvPr id="1026" name="Picture 2"/>
+          <p:cNvPicPr>
+            <a:picLocks noGrp="1" noChangeAspect="1" noChangeArrowheads="1"/>
+          </p:cNvPicPr>
+          <p:nvPr>
+            <p:ph sz="quarter" idx="1"/>
+          </p:nvPr>
+        </p:nvPicPr>
+        <p:blipFill>
+          <a:blip r:embed="rId2">
+            <a:extLst>
+              <a:ext uri="{28A0092B-C50C-407E-A947-70E740481C1C}">
+                <a14:useLocalDpi xmlns:a14="http://schemas.microsoft.com/office/drawing/2010/main" val="0"/>
+              </a:ext>
+            </a:extLst>
+          </a:blip>
+          <a:srcRect/>
+          <a:stretch>
+            <a:fillRect/>
+          </a:stretch>
+        </p:blipFill>
+        <p:spPr bwMode="auto">
+          <a:xfrm>
+            <a:off x="251520" y="1772816"/>
+            <a:ext cx="4867275" cy="3990975"/>
+          </a:xfrm>
+          <a:prstGeom prst="rect">
+            <a:avLst/>
+          </a:prstGeom>
+          <a:noFill/>
+          <a:ln>
+            <a:noFill/>
+          </a:ln>
+          <a:extLst>
+            <a:ext uri="{909E8E84-426E-40DD-AFC4-6F175D3DCCD1}">
+              <a14:hiddenFill xmlns:a14="http://schemas.microsoft.com/office/drawing/2010/main">
+                <a:solidFill>
+                  <a:schemeClr val="accent1"/>
+                </a:solidFill>
+              </a14:hiddenFill>
+            </a:ext>
+            <a:ext uri="{91240B29-F687-4F45-9708-019B960494DF}">
+              <a14:hiddenLine xmlns:a14="http://schemas.microsoft.com/office/drawing/2010/main" w="9525">
+                <a:solidFill>
+                  <a:schemeClr val="tx1"/>
+                </a:solidFill>
+                <a:miter lim="800000"/>
+                <a:headEnd/>
+                <a:tailEnd/>
+              </a14:hiddenLine>
+            </a:ext>
+          </a:extLst>
+        </p:spPr>
+      </p:pic>
+      <p:pic>
+        <p:nvPicPr>
+          <p:cNvPr id="1027" name="Picture 3"/>
+          <p:cNvPicPr>
+            <a:picLocks noChangeAspect="1" noChangeArrowheads="1"/>
+          </p:cNvPicPr>
+          <p:nvPr/>
+        </p:nvPicPr>
+        <p:blipFill>
+          <a:blip r:embed="rId3">
+            <a:extLst>
+              <a:ext uri="{28A0092B-C50C-407E-A947-70E740481C1C}">
+                <a14:useLocalDpi xmlns:a14="http://schemas.microsoft.com/office/drawing/2010/main" val="0"/>
+              </a:ext>
+            </a:extLst>
+          </a:blip>
+          <a:srcRect/>
+          <a:stretch>
+            <a:fillRect/>
+          </a:stretch>
+        </p:blipFill>
+        <p:spPr bwMode="auto">
+          <a:xfrm>
+            <a:off x="5364088" y="1556792"/>
+            <a:ext cx="3168352" cy="4680520"/>
+          </a:xfrm>
+          <a:prstGeom prst="rect">
+            <a:avLst/>
+          </a:prstGeom>
+          <a:noFill/>
+          <a:ln>
+            <a:noFill/>
+          </a:ln>
+          <a:extLst>
+            <a:ext uri="{909E8E84-426E-40DD-AFC4-6F175D3DCCD1}">
+              <a14:hiddenFill xmlns:a14="http://schemas.microsoft.com/office/drawing/2010/main">
+                <a:solidFill>
+                  <a:schemeClr val="accent1"/>
+                </a:solidFill>
+              </a14:hiddenFill>
+            </a:ext>
+            <a:ext uri="{91240B29-F687-4F45-9708-019B960494DF}">
+              <a14:hiddenLine xmlns:a14="http://schemas.microsoft.com/office/drawing/2010/main" w="9525">
+                <a:solidFill>
+                  <a:schemeClr val="tx1"/>
+                </a:solidFill>
+                <a:miter lim="800000"/>
+                <a:headEnd/>
+                <a:tailEnd/>
+              </a14:hiddenLine>
+            </a:ext>
+          </a:extLst>
+        </p:spPr>
+      </p:pic>
+    </p:spTree>
+    <p:extLst>
+      <p:ext uri="{BB962C8B-B14F-4D97-AF65-F5344CB8AC3E}">
+        <p14:creationId xmlns:p14="http://schemas.microsoft.com/office/powerpoint/2010/main" val="4273709132"/>
+      </p:ext>
+    </p:extLst>
+  </p:cSld>
+  <p:clrMapOvr>
+    <a:masterClrMapping/>
+  </p:clrMapOvr>
+</p:sld>
+</file>
+
+<file path=ppt/slides/slide5.xml><?xml version="1.0" encoding="utf-8"?>
+<p:sld xmlns:a="http://schemas.openxmlformats.org/drawingml/2006/main" xmlns:r="http://schemas.openxmlformats.org/officeDocument/2006/relationships" xmlns:p="http://schemas.openxmlformats.org/presentationml/2006/main">
+  <p:cSld>
+    <p:spTree>
+      <p:nvGrpSpPr>
+        <p:cNvPr id="1" name=""/>
+        <p:cNvGrpSpPr/>
+        <p:nvPr/>
+      </p:nvGrpSpPr>
+      <p:grpSpPr>
+        <a:xfrm>
+          <a:off x="0" y="0"/>
+          <a:ext cx="0" cy="0"/>
+          <a:chOff x="0" y="0"/>
+          <a:chExt cx="0" cy="0"/>
+        </a:xfrm>
+      </p:grpSpPr>
       <p:pic>
         <p:nvPicPr>
           <p:cNvPr id="29" name="Image 28"/>
@@ -7314,7 +7477,7 @@
 </p:sld>
 </file>
 
-<file path=ppt/slides/slide5.xml><?xml version="1.0" encoding="utf-8"?>
+<file path=ppt/slides/slide6.xml><?xml version="1.0" encoding="utf-8"?>
 <p:sld xmlns:a="http://schemas.openxmlformats.org/drawingml/2006/main" xmlns:r="http://schemas.openxmlformats.org/officeDocument/2006/relationships" xmlns:p="http://schemas.openxmlformats.org/presentationml/2006/main">
   <p:cSld>
     <p:spTree>
@@ -7972,19 +8135,16 @@
   <a:extraClrSchemeLst/>
   <a:extLst>
     <a:ext uri="{05A4C25C-085E-4340-85A3-A5531E510DB2}">
-      <thm15:themeFamily xmlns:thm15="http://schemas.microsoft.com/office/thememl/2012/main" name="Office Theme" id="{62F939B6-93AF-4DB8-9C6B-D6C7DFDC589F}" vid="{4A3C46E8-61CC-4603-A589-7422A47A8E4A}"/>
+      <thm15:themeFamily xmlns:thm15="http://schemas.microsoft.com/office/thememl/2012/main" xmlns="" name="Office Theme" id="{62F939B6-93AF-4DB8-9C6B-D6C7DFDC589F}" vid="{4A3C46E8-61CC-4603-A589-7422A47A8E4A}"/>
     </a:ext>
   </a:extLst>
 </a:theme>
 </file>
 
 <file path=customXml/item1.xml><?xml version="1.0" encoding="utf-8"?>
-<?mso-contentType ?>
-<FormTemplates xmlns="http://schemas.microsoft.com/sharepoint/v3/contenttype/forms">
-  <Display>DocumentLibraryForm</Display>
-  <Edit>DocumentLibraryForm</Edit>
-  <New>DocumentLibraryForm</New>
-</FormTemplates>
+<p:properties xmlns:p="http://schemas.microsoft.com/office/2006/metadata/properties" xmlns:xsi="http://www.w3.org/2001/XMLSchema-instance" xmlns:pc="http://schemas.microsoft.com/office/infopath/2007/PartnerControls">
+  <documentManagement/>
+</p:properties>
 </file>
 
 <file path=customXml/item2.xml><?xml version="1.0" encoding="utf-8"?>
@@ -8102,15 +8262,25 @@
 </file>
 
 <file path=customXml/item3.xml><?xml version="1.0" encoding="utf-8"?>
-<p:properties xmlns:p="http://schemas.microsoft.com/office/2006/metadata/properties" xmlns:xsi="http://www.w3.org/2001/XMLSchema-instance" xmlns:pc="http://schemas.microsoft.com/office/infopath/2007/PartnerControls">
-  <documentManagement/>
-</p:properties>
+<?mso-contentType ?>
+<FormTemplates xmlns="http://schemas.microsoft.com/sharepoint/v3/contenttype/forms">
+  <Display>DocumentLibraryForm</Display>
+  <Edit>DocumentLibraryForm</Edit>
+  <New>DocumentLibraryForm</New>
+</FormTemplates>
 </file>
 
 <file path=customXml/itemProps1.xml><?xml version="1.0" encoding="utf-8"?>
-<ds:datastoreItem xmlns:ds="http://schemas.openxmlformats.org/officeDocument/2006/customXml" ds:itemID="{1224E0AD-CB27-4001-8C0E-0183ECC30D90}">
+<ds:datastoreItem xmlns:ds="http://schemas.openxmlformats.org/officeDocument/2006/customXml" ds:itemID="{9054A812-5721-4710-BDF4-F600CD7E6673}">
   <ds:schemaRefs>
-    <ds:schemaRef ds:uri="http://schemas.microsoft.com/sharepoint/v3/contenttype/forms"/>
+    <ds:schemaRef ds:uri="http://purl.org/dc/elements/1.1/"/>
+    <ds:schemaRef ds:uri="http://schemas.microsoft.com/office/2006/metadata/properties"/>
+    <ds:schemaRef ds:uri="http://schemas.microsoft.com/office/2006/documentManagement/types"/>
+    <ds:schemaRef ds:uri="http://purl.org/dc/terms/"/>
+    <ds:schemaRef ds:uri="http://schemas.openxmlformats.org/package/2006/metadata/core-properties"/>
+    <ds:schemaRef ds:uri="http://purl.org/dc/dcmitype/"/>
+    <ds:schemaRef ds:uri="http://schemas.microsoft.com/office/infopath/2007/PartnerControls"/>
+    <ds:schemaRef ds:uri="http://www.w3.org/XML/1998/namespace"/>
   </ds:schemaRefs>
 </ds:datastoreItem>
 </file>
@@ -8132,16 +8302,9 @@
 </file>
 
 <file path=customXml/itemProps3.xml><?xml version="1.0" encoding="utf-8"?>
-<ds:datastoreItem xmlns:ds="http://schemas.openxmlformats.org/officeDocument/2006/customXml" ds:itemID="{9054A812-5721-4710-BDF4-F600CD7E6673}">
+<ds:datastoreItem xmlns:ds="http://schemas.openxmlformats.org/officeDocument/2006/customXml" ds:itemID="{1224E0AD-CB27-4001-8C0E-0183ECC30D90}">
   <ds:schemaRefs>
-    <ds:schemaRef ds:uri="http://purl.org/dc/elements/1.1/"/>
-    <ds:schemaRef ds:uri="http://schemas.microsoft.com/office/2006/metadata/properties"/>
-    <ds:schemaRef ds:uri="http://purl.org/dc/terms/"/>
-    <ds:schemaRef ds:uri="http://schemas.microsoft.com/office/2006/documentManagement/types"/>
-    <ds:schemaRef ds:uri="http://purl.org/dc/dcmitype/"/>
-    <ds:schemaRef ds:uri="http://schemas.microsoft.com/office/infopath/2007/PartnerControls"/>
-    <ds:schemaRef ds:uri="http://schemas.openxmlformats.org/package/2006/metadata/core-properties"/>
-    <ds:schemaRef ds:uri="http://www.w3.org/XML/1998/namespace"/>
+    <ds:schemaRef ds:uri="http://schemas.microsoft.com/sharepoint/v3/contenttype/forms"/>
   </ds:schemaRefs>
 </ds:datastoreItem>
 </file>
--- a/Projet Smart Patate.pptx
+++ b/Projet Smart Patate.pptx
@@ -5,7 +5,7 @@
     <p:sldMasterId id="2147483660" r:id="rId4"/>
   </p:sldMasterIdLst>
   <p:notesMasterIdLst>
-    <p:notesMasterId r:id="rId11"/>
+    <p:notesMasterId r:id="rId12"/>
   </p:notesMasterIdLst>
   <p:sldIdLst>
     <p:sldId id="256" r:id="rId5"/>
@@ -14,6 +14,7 @@
     <p:sldId id="261" r:id="rId8"/>
     <p:sldId id="258" r:id="rId9"/>
     <p:sldId id="260" r:id="rId10"/>
+    <p:sldId id="262" r:id="rId11"/>
   </p:sldIdLst>
   <p:sldSz cx="9144000" cy="6858000" type="screen4x3"/>
   <p:notesSz cx="6858000" cy="9144000"/>
@@ -213,7 +214,7 @@
           <a:p>
             <a:fld id="{DCE25590-1465-4D16-B1C2-1486233B09A5}" type="datetimeFigureOut">
               <a:rPr lang="fr-FR" smtClean="0"/>
-              <a:t>15/11/2016</a:t>
+              <a:t>16/11/2016</a:t>
             </a:fld>
             <a:endParaRPr lang="fr-FR"/>
           </a:p>
@@ -511,6 +512,554 @@
       </p:sp>
       <p:sp>
         <p:nvSpPr>
+          <p:cNvPr id="3" name="Espace réservé des commentaires 2"/>
+          <p:cNvSpPr>
+            <a:spLocks noGrp="1"/>
+          </p:cNvSpPr>
+          <p:nvPr>
+            <p:ph type="body" idx="1"/>
+          </p:nvPr>
+        </p:nvSpPr>
+        <p:spPr/>
+        <p:txBody>
+          <a:bodyPr/>
+          <a:lstStyle/>
+          <a:p>
+            <a:r>
+              <a:rPr lang="fr-FR" smtClean="0"/>
+              <a:t>Aurélien:</a:t>
+            </a:r>
+            <a:r>
+              <a:rPr lang="fr-FR" baseline="0" smtClean="0"/>
+              <a:t> </a:t>
+            </a:r>
+          </a:p>
+          <a:p>
+            <a:r>
+              <a:rPr lang="fr-FR" baseline="0" smtClean="0"/>
+              <a:t>Présente les membres  Yanis: Montage expérience 1 + exp finale + code final</a:t>
+            </a:r>
+          </a:p>
+          <a:p>
+            <a:r>
+              <a:rPr lang="fr-FR" smtClean="0"/>
+              <a:t>	</a:t>
+            </a:r>
+            <a:r>
+              <a:rPr lang="fr-FR" baseline="0" smtClean="0"/>
+              <a:t>               Alexandre: Résultats de l’expérience 1 + recherche de l’erreur dans le code de l’exp 2</a:t>
+            </a:r>
+          </a:p>
+          <a:p>
+            <a:r>
+              <a:rPr lang="fr-FR" baseline="0" smtClean="0"/>
+              <a:t>	               Arthur: graphe scilab + réalisation du PPT</a:t>
+            </a:r>
+          </a:p>
+          <a:p>
+            <a:r>
+              <a:rPr lang="fr-FR" baseline="0" smtClean="0"/>
+              <a:t>	               Aurélien: Distribution des taches + organisation pour réaliser le rapport</a:t>
+            </a:r>
+          </a:p>
+          <a:p>
+            <a:r>
+              <a:rPr lang="fr-FR" baseline="0" smtClean="0"/>
+              <a:t>But du projet : créer un interupteur intelligent&gt;deceler 3types d interactions. Patate&gt;interupteur</a:t>
+            </a:r>
+          </a:p>
+          <a:p>
+            <a:r>
+              <a:rPr lang="fr-FR" baseline="0" smtClean="0"/>
+              <a:t>Résolution : analyse du circuit et impact avec l’électrode</a:t>
+            </a:r>
+          </a:p>
+          <a:p>
+            <a:r>
+              <a:rPr lang="fr-FR" baseline="0" smtClean="0"/>
+              <a:t>Objectifs: travail en equipe, repartission des taches et mise en commun.</a:t>
+            </a:r>
+          </a:p>
+          <a:p>
+            <a:endParaRPr lang="fr-FR"/>
+          </a:p>
+        </p:txBody>
+      </p:sp>
+      <p:sp>
+        <p:nvSpPr>
+          <p:cNvPr id="4" name="Espace réservé du numéro de diapositive 3"/>
+          <p:cNvSpPr>
+            <a:spLocks noGrp="1"/>
+          </p:cNvSpPr>
+          <p:nvPr>
+            <p:ph type="sldNum" sz="quarter" idx="10"/>
+          </p:nvPr>
+        </p:nvSpPr>
+        <p:spPr/>
+        <p:txBody>
+          <a:bodyPr/>
+          <a:lstStyle/>
+          <a:p>
+            <a:fld id="{F57F640E-7090-45A6-A98A-13CB8D9CB070}" type="slidenum">
+              <a:rPr lang="fr-FR" smtClean="0"/>
+              <a:t>1</a:t>
+            </a:fld>
+            <a:endParaRPr lang="fr-FR"/>
+          </a:p>
+        </p:txBody>
+      </p:sp>
+    </p:spTree>
+    <p:extLst>
+      <p:ext uri="{BB962C8B-B14F-4D97-AF65-F5344CB8AC3E}">
+        <p14:creationId xmlns:p14="http://schemas.microsoft.com/office/powerpoint/2010/main" val="224939854"/>
+      </p:ext>
+    </p:extLst>
+  </p:cSld>
+  <p:clrMapOvr>
+    <a:masterClrMapping/>
+  </p:clrMapOvr>
+</p:notes>
+</file>
+
+<file path=ppt/notesSlides/notesSlide2.xml><?xml version="1.0" encoding="utf-8"?>
+<p:notes xmlns:a="http://schemas.openxmlformats.org/drawingml/2006/main" xmlns:r="http://schemas.openxmlformats.org/officeDocument/2006/relationships" xmlns:p="http://schemas.openxmlformats.org/presentationml/2006/main">
+  <p:cSld>
+    <p:spTree>
+      <p:nvGrpSpPr>
+        <p:cNvPr id="1" name=""/>
+        <p:cNvGrpSpPr/>
+        <p:nvPr/>
+      </p:nvGrpSpPr>
+      <p:grpSpPr>
+        <a:xfrm>
+          <a:off x="0" y="0"/>
+          <a:ext cx="0" cy="0"/>
+          <a:chOff x="0" y="0"/>
+          <a:chExt cx="0" cy="0"/>
+        </a:xfrm>
+      </p:grpSpPr>
+      <p:sp>
+        <p:nvSpPr>
+          <p:cNvPr id="2" name="Espace réservé de l'image des diapositives 1"/>
+          <p:cNvSpPr>
+            <a:spLocks noGrp="1" noRot="1" noChangeAspect="1"/>
+          </p:cNvSpPr>
+          <p:nvPr>
+            <p:ph type="sldImg"/>
+          </p:nvPr>
+        </p:nvSpPr>
+        <p:spPr/>
+      </p:sp>
+      <p:sp>
+        <p:nvSpPr>
+          <p:cNvPr id="3" name="Espace réservé des commentaires 2"/>
+          <p:cNvSpPr>
+            <a:spLocks noGrp="1"/>
+          </p:cNvSpPr>
+          <p:nvPr>
+            <p:ph type="body" idx="1"/>
+          </p:nvPr>
+        </p:nvSpPr>
+        <p:spPr/>
+        <p:txBody>
+          <a:bodyPr/>
+          <a:lstStyle/>
+          <a:p>
+            <a:pPr marL="171450" indent="-171450">
+              <a:buFontTx/>
+              <a:buChar char="-"/>
+            </a:pPr>
+            <a:r>
+              <a:rPr lang="fr-FR" smtClean="0"/>
+              <a:t>1ere expé</a:t>
+            </a:r>
+            <a:r>
+              <a:rPr lang="fr-FR" baseline="0" smtClean="0"/>
+              <a:t> signal avec prog : en touchant l’électrode (1, 2 doigt ou pleine main) = fil ,le signal change sur oscilo</a:t>
+            </a:r>
+          </a:p>
+          <a:p>
+            <a:pPr marL="171450" indent="-171450">
+              <a:buFontTx/>
+              <a:buChar char="-"/>
+            </a:pPr>
+            <a:endParaRPr lang="fr-FR" baseline="0" smtClean="0"/>
+          </a:p>
+          <a:p>
+            <a:pPr marL="171450" indent="-171450">
+              <a:buFontTx/>
+              <a:buChar char="-"/>
+            </a:pPr>
+            <a:r>
+              <a:rPr lang="fr-FR" baseline="0" smtClean="0"/>
+              <a:t>Fonctionne pas pour toutes freq car peau homme opposes certaines resistance</a:t>
+            </a:r>
+          </a:p>
+          <a:p>
+            <a:pPr marL="171450" indent="-171450">
+              <a:buFontTx/>
+              <a:buChar char="-"/>
+            </a:pPr>
+            <a:endParaRPr lang="fr-FR" baseline="0" smtClean="0"/>
+          </a:p>
+          <a:p>
+            <a:pPr marL="171450" indent="-171450">
+              <a:buFontTx/>
+              <a:buChar char="-"/>
+            </a:pPr>
+            <a:r>
+              <a:rPr lang="fr-FR" baseline="0" smtClean="0"/>
+              <a:t>Plus freq augmente plus tension diminue</a:t>
+            </a:r>
+          </a:p>
+          <a:p>
+            <a:pPr marL="171450" indent="-171450">
+              <a:buFontTx/>
+              <a:buChar char="-"/>
+            </a:pPr>
+            <a:endParaRPr lang="fr-FR" baseline="0" smtClean="0"/>
+          </a:p>
+          <a:p>
+            <a:pPr marL="171450" indent="-171450">
+              <a:buFontTx/>
+              <a:buChar char="-"/>
+            </a:pPr>
+            <a:r>
+              <a:rPr lang="fr-FR" baseline="0" smtClean="0"/>
+              <a:t>Ordoné tension abscisse frequence</a:t>
+            </a:r>
+          </a:p>
+          <a:p>
+            <a:pPr marL="171450" indent="-171450">
+              <a:buFontTx/>
+              <a:buChar char="-"/>
+            </a:pPr>
+            <a:endParaRPr lang="fr-FR" baseline="0" smtClean="0"/>
+          </a:p>
+          <a:p>
+            <a:pPr marL="0" indent="0">
+              <a:buFontTx/>
+              <a:buNone/>
+            </a:pPr>
+            <a:r>
+              <a:rPr lang="fr-FR" baseline="0" smtClean="0"/>
+              <a:t>-Patate réagit comme un capteur capacitif varie en fonction du nombre de doigts</a:t>
+            </a:r>
+          </a:p>
+          <a:p>
+            <a:pPr marL="0" indent="0">
+              <a:buFontTx/>
+              <a:buNone/>
+            </a:pPr>
+            <a:endParaRPr lang="fr-FR" baseline="0" smtClean="0"/>
+          </a:p>
+          <a:p>
+            <a:pPr marL="0" indent="0">
+              <a:buFontTx/>
+              <a:buNone/>
+            </a:pPr>
+            <a:r>
+              <a:rPr lang="fr-FR" baseline="0" smtClean="0"/>
+              <a:t>-Meme coubre que disney research donc on a un capteur capacitif</a:t>
+            </a:r>
+          </a:p>
+          <a:p>
+            <a:pPr marL="0" indent="0">
+              <a:buFontTx/>
+              <a:buNone/>
+            </a:pPr>
+            <a:endParaRPr lang="fr-FR" smtClean="0"/>
+          </a:p>
+          <a:p>
+            <a:r>
+              <a:rPr lang="fr-FR" smtClean="0"/>
+              <a:t>-Explique</a:t>
+            </a:r>
+            <a:r>
+              <a:rPr lang="fr-FR" baseline="0" smtClean="0"/>
+              <a:t> les axes en montrant le lien avec le tableau</a:t>
+            </a:r>
+          </a:p>
+          <a:p>
+            <a:r>
+              <a:rPr lang="fr-FR" baseline="0" smtClean="0"/>
+              <a:t> </a:t>
+            </a:r>
+          </a:p>
+          <a:p>
+            <a:r>
+              <a:rPr lang="fr-FR" baseline="0" smtClean="0"/>
+              <a:t>- Comparaison humain condensateur = stock énergie et résistance ohmique corp fait chuter tension donc même fonction</a:t>
+            </a:r>
+          </a:p>
+          <a:p>
+            <a:endParaRPr lang="fr-FR" baseline="0" smtClean="0"/>
+          </a:p>
+          <a:p>
+            <a:endParaRPr lang="fr-FR"/>
+          </a:p>
+        </p:txBody>
+      </p:sp>
+      <p:sp>
+        <p:nvSpPr>
+          <p:cNvPr id="4" name="Espace réservé du numéro de diapositive 3"/>
+          <p:cNvSpPr>
+            <a:spLocks noGrp="1"/>
+          </p:cNvSpPr>
+          <p:nvPr>
+            <p:ph type="sldNum" sz="quarter" idx="10"/>
+          </p:nvPr>
+        </p:nvSpPr>
+        <p:spPr/>
+        <p:txBody>
+          <a:bodyPr/>
+          <a:lstStyle/>
+          <a:p>
+            <a:fld id="{F57F640E-7090-45A6-A98A-13CB8D9CB070}" type="slidenum">
+              <a:rPr lang="fr-FR" smtClean="0"/>
+              <a:t>2</a:t>
+            </a:fld>
+            <a:endParaRPr lang="fr-FR"/>
+          </a:p>
+        </p:txBody>
+      </p:sp>
+    </p:spTree>
+    <p:extLst>
+      <p:ext uri="{BB962C8B-B14F-4D97-AF65-F5344CB8AC3E}">
+        <p14:creationId xmlns:p14="http://schemas.microsoft.com/office/powerpoint/2010/main" val="2413826733"/>
+      </p:ext>
+    </p:extLst>
+  </p:cSld>
+  <p:clrMapOvr>
+    <a:masterClrMapping/>
+  </p:clrMapOvr>
+</p:notes>
+</file>
+
+<file path=ppt/notesSlides/notesSlide3.xml><?xml version="1.0" encoding="utf-8"?>
+<p:notes xmlns:a="http://schemas.openxmlformats.org/drawingml/2006/main" xmlns:r="http://schemas.openxmlformats.org/officeDocument/2006/relationships" xmlns:p="http://schemas.openxmlformats.org/presentationml/2006/main">
+  <p:cSld>
+    <p:spTree>
+      <p:nvGrpSpPr>
+        <p:cNvPr id="1" name=""/>
+        <p:cNvGrpSpPr/>
+        <p:nvPr/>
+      </p:nvGrpSpPr>
+      <p:grpSpPr>
+        <a:xfrm>
+          <a:off x="0" y="0"/>
+          <a:ext cx="0" cy="0"/>
+          <a:chOff x="0" y="0"/>
+          <a:chExt cx="0" cy="0"/>
+        </a:xfrm>
+      </p:grpSpPr>
+      <p:sp>
+        <p:nvSpPr>
+          <p:cNvPr id="2" name="Espace réservé de l'image des diapositives 1"/>
+          <p:cNvSpPr>
+            <a:spLocks noGrp="1" noRot="1" noChangeAspect="1"/>
+          </p:cNvSpPr>
+          <p:nvPr>
+            <p:ph type="sldImg"/>
+          </p:nvPr>
+        </p:nvSpPr>
+        <p:spPr/>
+      </p:sp>
+      <p:sp>
+        <p:nvSpPr>
+          <p:cNvPr id="3" name="Espace réservé des commentaires 2"/>
+          <p:cNvSpPr>
+            <a:spLocks noGrp="1"/>
+          </p:cNvSpPr>
+          <p:nvPr>
+            <p:ph type="body" idx="1"/>
+          </p:nvPr>
+        </p:nvSpPr>
+        <p:spPr/>
+        <p:txBody>
+          <a:bodyPr/>
+          <a:lstStyle/>
+          <a:p>
+            <a:r>
+              <a:rPr lang="fr-FR" smtClean="0"/>
+              <a:t>Ce qui a été modifié: </a:t>
+            </a:r>
+            <a:endParaRPr lang="fr-FR"/>
+          </a:p>
+        </p:txBody>
+      </p:sp>
+      <p:sp>
+        <p:nvSpPr>
+          <p:cNvPr id="4" name="Espace réservé du numéro de diapositive 3"/>
+          <p:cNvSpPr>
+            <a:spLocks noGrp="1"/>
+          </p:cNvSpPr>
+          <p:nvPr>
+            <p:ph type="sldNum" sz="quarter" idx="10"/>
+          </p:nvPr>
+        </p:nvSpPr>
+        <p:spPr/>
+        <p:txBody>
+          <a:bodyPr/>
+          <a:lstStyle/>
+          <a:p>
+            <a:fld id="{F57F640E-7090-45A6-A98A-13CB8D9CB070}" type="slidenum">
+              <a:rPr lang="fr-FR" smtClean="0"/>
+              <a:t>4</a:t>
+            </a:fld>
+            <a:endParaRPr lang="fr-FR"/>
+          </a:p>
+        </p:txBody>
+      </p:sp>
+    </p:spTree>
+    <p:extLst>
+      <p:ext uri="{BB962C8B-B14F-4D97-AF65-F5344CB8AC3E}">
+        <p14:creationId xmlns:p14="http://schemas.microsoft.com/office/powerpoint/2010/main" val="1188553892"/>
+      </p:ext>
+    </p:extLst>
+  </p:cSld>
+  <p:clrMapOvr>
+    <a:masterClrMapping/>
+  </p:clrMapOvr>
+</p:notes>
+</file>
+
+<file path=ppt/notesSlides/notesSlide4.xml><?xml version="1.0" encoding="utf-8"?>
+<p:notes xmlns:a="http://schemas.openxmlformats.org/drawingml/2006/main" xmlns:r="http://schemas.openxmlformats.org/officeDocument/2006/relationships" xmlns:p="http://schemas.openxmlformats.org/presentationml/2006/main">
+  <p:cSld>
+    <p:spTree>
+      <p:nvGrpSpPr>
+        <p:cNvPr id="1" name=""/>
+        <p:cNvGrpSpPr/>
+        <p:nvPr/>
+      </p:nvGrpSpPr>
+      <p:grpSpPr>
+        <a:xfrm>
+          <a:off x="0" y="0"/>
+          <a:ext cx="0" cy="0"/>
+          <a:chOff x="0" y="0"/>
+          <a:chExt cx="0" cy="0"/>
+        </a:xfrm>
+      </p:grpSpPr>
+      <p:sp>
+        <p:nvSpPr>
+          <p:cNvPr id="2" name="Espace réservé de l'image des diapositives 1"/>
+          <p:cNvSpPr>
+            <a:spLocks noGrp="1" noRot="1" noChangeAspect="1"/>
+          </p:cNvSpPr>
+          <p:nvPr>
+            <p:ph type="sldImg"/>
+          </p:nvPr>
+        </p:nvSpPr>
+        <p:spPr/>
+      </p:sp>
+      <p:sp>
+        <p:nvSpPr>
+          <p:cNvPr id="3" name="Espace réservé des commentaires 2"/>
+          <p:cNvSpPr>
+            <a:spLocks noGrp="1"/>
+          </p:cNvSpPr>
+          <p:nvPr>
+            <p:ph type="body" idx="1"/>
+          </p:nvPr>
+        </p:nvSpPr>
+        <p:spPr/>
+        <p:txBody>
+          <a:bodyPr/>
+          <a:lstStyle/>
+          <a:p>
+            <a:r>
+              <a:rPr lang="fr-FR" smtClean="0"/>
+              <a:t>Filtre</a:t>
+            </a:r>
+            <a:r>
+              <a:rPr lang="fr-FR" baseline="0" smtClean="0"/>
+              <a:t> coupe bande -&gt; filtre passe haut LC</a:t>
+            </a:r>
+          </a:p>
+          <a:p>
+            <a:endParaRPr lang="fr-FR" baseline="0" smtClean="0"/>
+          </a:p>
+          <a:p>
+            <a:r>
+              <a:rPr lang="fr-FR" smtClean="0"/>
+              <a:t>La diode transmet un courant</a:t>
+            </a:r>
+            <a:r>
+              <a:rPr lang="fr-FR" baseline="0" smtClean="0"/>
+              <a:t> qui est lissé dans une broche analogique</a:t>
+            </a:r>
+            <a:endParaRPr lang="fr-FR"/>
+          </a:p>
+        </p:txBody>
+      </p:sp>
+      <p:sp>
+        <p:nvSpPr>
+          <p:cNvPr id="4" name="Espace réservé du numéro de diapositive 3"/>
+          <p:cNvSpPr>
+            <a:spLocks noGrp="1"/>
+          </p:cNvSpPr>
+          <p:nvPr>
+            <p:ph type="sldNum" sz="quarter" idx="10"/>
+          </p:nvPr>
+        </p:nvSpPr>
+        <p:spPr/>
+        <p:txBody>
+          <a:bodyPr/>
+          <a:lstStyle/>
+          <a:p>
+            <a:fld id="{F57F640E-7090-45A6-A98A-13CB8D9CB070}" type="slidenum">
+              <a:rPr lang="fr-FR" smtClean="0"/>
+              <a:t>5</a:t>
+            </a:fld>
+            <a:endParaRPr lang="fr-FR"/>
+          </a:p>
+        </p:txBody>
+      </p:sp>
+    </p:spTree>
+    <p:extLst>
+      <p:ext uri="{BB962C8B-B14F-4D97-AF65-F5344CB8AC3E}">
+        <p14:creationId xmlns:p14="http://schemas.microsoft.com/office/powerpoint/2010/main" val="452322751"/>
+      </p:ext>
+    </p:extLst>
+  </p:cSld>
+  <p:clrMapOvr>
+    <a:masterClrMapping/>
+  </p:clrMapOvr>
+</p:notes>
+</file>
+
+<file path=ppt/notesSlides/notesSlide5.xml><?xml version="1.0" encoding="utf-8"?>
+<p:notes xmlns:a="http://schemas.openxmlformats.org/drawingml/2006/main" xmlns:r="http://schemas.openxmlformats.org/officeDocument/2006/relationships" xmlns:p="http://schemas.openxmlformats.org/presentationml/2006/main">
+  <p:cSld>
+    <p:spTree>
+      <p:nvGrpSpPr>
+        <p:cNvPr id="1" name=""/>
+        <p:cNvGrpSpPr/>
+        <p:nvPr/>
+      </p:nvGrpSpPr>
+      <p:grpSpPr>
+        <a:xfrm>
+          <a:off x="0" y="0"/>
+          <a:ext cx="0" cy="0"/>
+          <a:chOff x="0" y="0"/>
+          <a:chExt cx="0" cy="0"/>
+        </a:xfrm>
+      </p:grpSpPr>
+      <p:sp>
+        <p:nvSpPr>
+          <p:cNvPr id="2" name="Espace réservé de l'image des diapositives 1"/>
+          <p:cNvSpPr>
+            <a:spLocks noGrp="1" noRot="1" noChangeAspect="1"/>
+          </p:cNvSpPr>
+          <p:nvPr>
+            <p:ph type="sldImg"/>
+          </p:nvPr>
+        </p:nvSpPr>
+        <p:spPr/>
+      </p:sp>
+      <p:sp>
+        <p:nvSpPr>
           <p:cNvPr id="3" name="Espace réservé des notes 2"/>
           <p:cNvSpPr>
             <a:spLocks noGrp="1"/>
@@ -524,6 +1073,41 @@
           <a:bodyPr/>
           <a:lstStyle/>
           <a:p>
+            <a:r>
+              <a:rPr lang="fr-FR" smtClean="0"/>
+              <a:t>Principe de résonance&gt;</a:t>
+            </a:r>
+            <a:r>
+              <a:rPr lang="fr-FR" baseline="0" smtClean="0"/>
+              <a:t> fait varier le courant selon un parametre</a:t>
+            </a:r>
+          </a:p>
+          <a:p>
+            <a:endParaRPr lang="fr-FR" baseline="0" smtClean="0"/>
+          </a:p>
+          <a:p>
+            <a:r>
+              <a:rPr lang="fr-FR" baseline="0" smtClean="0"/>
+              <a:t>Lissage: enlever les parasites, rendre le signal plus lisible</a:t>
+            </a:r>
+          </a:p>
+          <a:p>
+            <a:endParaRPr lang="fr-FR" baseline="0" smtClean="0"/>
+          </a:p>
+          <a:p>
+            <a:r>
+              <a:rPr lang="fr-FR" baseline="0" smtClean="0"/>
+              <a:t>Pb de logiciel: le programme fourni pas opé,  alternative: reutiliser le programme arduino de la premiere experience et Graph_oscillo </a:t>
+            </a:r>
+          </a:p>
+          <a:p>
+            <a:endParaRPr lang="fr-FR" baseline="0" smtClean="0"/>
+          </a:p>
+          <a:p>
+            <a:r>
+              <a:rPr lang="fr-FR" baseline="0" smtClean="0"/>
+              <a:t>Egalement pb de matos: arriver tardivement donc perte de temps.</a:t>
+            </a:r>
             <a:endParaRPr lang="fr-FR" dirty="0"/>
           </a:p>
         </p:txBody>
@@ -844,7 +1428,7 @@
           <a:p>
             <a:fld id="{8B89CC76-7980-4869-905C-CE9132FE2E0C}" type="datetimeFigureOut">
               <a:rPr lang="fr-FR" smtClean="0"/>
-              <a:t>15/11/2016</a:t>
+              <a:t>16/11/2016</a:t>
             </a:fld>
             <a:endParaRPr lang="fr-FR"/>
           </a:p>
@@ -1237,7 +1821,7 @@
           <a:p>
             <a:fld id="{8B89CC76-7980-4869-905C-CE9132FE2E0C}" type="datetimeFigureOut">
               <a:rPr lang="fr-FR" smtClean="0"/>
-              <a:t>15/11/2016</a:t>
+              <a:t>16/11/2016</a:t>
             </a:fld>
             <a:endParaRPr lang="fr-FR"/>
           </a:p>
@@ -1769,7 +2353,7 @@
           <a:p>
             <a:fld id="{8B89CC76-7980-4869-905C-CE9132FE2E0C}" type="datetimeFigureOut">
               <a:rPr lang="fr-FR" smtClean="0"/>
-              <a:t>15/11/2016</a:t>
+              <a:t>16/11/2016</a:t>
             </a:fld>
             <a:endParaRPr lang="fr-FR"/>
           </a:p>
@@ -1902,7 +2486,7 @@
           <a:p>
             <a:fld id="{8B89CC76-7980-4869-905C-CE9132FE2E0C}" type="datetimeFigureOut">
               <a:rPr lang="fr-FR" smtClean="0"/>
-              <a:t>15/11/2016</a:t>
+              <a:t>16/11/2016</a:t>
             </a:fld>
             <a:endParaRPr lang="fr-FR"/>
           </a:p>
@@ -2445,7 +3029,7 @@
           <a:p>
             <a:fld id="{8B89CC76-7980-4869-905C-CE9132FE2E0C}" type="datetimeFigureOut">
               <a:rPr lang="fr-FR" smtClean="0"/>
-              <a:t>15/11/2016</a:t>
+              <a:t>16/11/2016</a:t>
             </a:fld>
             <a:endParaRPr lang="fr-FR"/>
           </a:p>
@@ -2740,7 +3324,7 @@
           <a:p>
             <a:fld id="{8B89CC76-7980-4869-905C-CE9132FE2E0C}" type="datetimeFigureOut">
               <a:rPr lang="fr-FR" smtClean="0"/>
-              <a:t>15/11/2016</a:t>
+              <a:t>16/11/2016</a:t>
             </a:fld>
             <a:endParaRPr lang="fr-FR"/>
           </a:p>
@@ -3399,7 +3983,7 @@
           <a:p>
             <a:fld id="{8B89CC76-7980-4869-905C-CE9132FE2E0C}" type="datetimeFigureOut">
               <a:rPr lang="fr-FR" smtClean="0"/>
-              <a:t>15/11/2016</a:t>
+              <a:t>16/11/2016</a:t>
             </a:fld>
             <a:endParaRPr lang="fr-FR"/>
           </a:p>
@@ -3835,7 +4419,7 @@
           <a:p>
             <a:fld id="{8B89CC76-7980-4869-905C-CE9132FE2E0C}" type="datetimeFigureOut">
               <a:rPr lang="fr-FR" smtClean="0"/>
-              <a:t>15/11/2016</a:t>
+              <a:t>16/11/2016</a:t>
             </a:fld>
             <a:endParaRPr lang="fr-FR"/>
           </a:p>
@@ -4148,7 +4732,7 @@
           <a:p>
             <a:fld id="{8B89CC76-7980-4869-905C-CE9132FE2E0C}" type="datetimeFigureOut">
               <a:rPr lang="fr-FR" smtClean="0"/>
-              <a:t>15/11/2016</a:t>
+              <a:t>16/11/2016</a:t>
             </a:fld>
             <a:endParaRPr lang="fr-FR"/>
           </a:p>
@@ -4880,7 +5464,7 @@
           <a:p>
             <a:fld id="{8B89CC76-7980-4869-905C-CE9132FE2E0C}" type="datetimeFigureOut">
               <a:rPr lang="fr-FR" smtClean="0"/>
-              <a:t>15/11/2016</a:t>
+              <a:t>16/11/2016</a:t>
             </a:fld>
             <a:endParaRPr lang="fr-FR"/>
           </a:p>
@@ -5544,7 +6128,7 @@
           <a:p>
             <a:fld id="{8B89CC76-7980-4869-905C-CE9132FE2E0C}" type="datetimeFigureOut">
               <a:rPr lang="fr-FR" smtClean="0"/>
-              <a:t>15/11/2016</a:t>
+              <a:t>16/11/2016</a:t>
             </a:fld>
             <a:endParaRPr lang="fr-FR"/>
           </a:p>
@@ -5817,7 +6401,7 @@
           <a:p>
             <a:fld id="{8B89CC76-7980-4869-905C-CE9132FE2E0C}" type="datetimeFigureOut">
               <a:rPr lang="fr-FR" smtClean="0"/>
-              <a:t>15/11/2016</a:t>
+              <a:t>16/11/2016</a:t>
             </a:fld>
             <a:endParaRPr lang="fr-FR"/>
           </a:p>
@@ -6651,6 +7235,13 @@
   <p:clrMapOvr>
     <a:masterClrMapping/>
   </p:clrMapOvr>
+  <p:timing>
+    <p:tnLst>
+      <p:par>
+        <p:cTn id="1" dur="indefinite" restart="never" nodeType="tmRoot"/>
+      </p:par>
+    </p:tnLst>
+  </p:timing>
 </p:sld>
 </file>
 
@@ -6687,12 +7278,20 @@
           <a:lstStyle/>
           <a:p>
             <a:r>
+              <a:rPr lang="fr-FR" smtClean="0">
+                <a:solidFill>
+                  <a:schemeClr val="accent1"/>
+                </a:solidFill>
+              </a:rPr>
+              <a:t>Résultats </a:t>
+            </a:r>
+            <a:r>
               <a:rPr lang="fr-FR" dirty="0">
                 <a:solidFill>
                   <a:schemeClr val="accent1"/>
                 </a:solidFill>
               </a:rPr>
-              <a:t>Résultat des expériences menées</a:t>
+              <a:t>des expériences menées</a:t>
             </a:r>
           </a:p>
         </p:txBody>
@@ -6708,7 +7307,7 @@
           </p:nvPr>
         </p:nvPicPr>
         <p:blipFill>
-          <a:blip r:embed="rId2">
+          <a:blip r:embed="rId3">
             <a:extLst>
               <a:ext uri="{28A0092B-C50C-407E-A947-70E740481C1C}">
                 <a14:useLocalDpi xmlns:a14="http://schemas.microsoft.com/office/drawing/2010/main" val="0"/>
@@ -6762,7 +7361,7 @@
           <p:nvPr/>
         </p:nvPicPr>
         <p:blipFill>
-          <a:blip r:embed="rId3"/>
+          <a:blip r:embed="rId4"/>
           <a:stretch>
             <a:fillRect/>
           </a:stretch>
@@ -6777,6 +7376,70 @@
           </a:prstGeom>
         </p:spPr>
       </p:pic>
+      <p:sp>
+        <p:nvSpPr>
+          <p:cNvPr id="4" name="ZoneTexte 3"/>
+          <p:cNvSpPr txBox="1"/>
+          <p:nvPr/>
+        </p:nvSpPr>
+        <p:spPr>
+          <a:xfrm>
+            <a:off x="8460432" y="4221088"/>
+            <a:ext cx="576064" cy="276999"/>
+          </a:xfrm>
+          <a:prstGeom prst="rect">
+            <a:avLst/>
+          </a:prstGeom>
+          <a:noFill/>
+        </p:spPr>
+        <p:txBody>
+          <a:bodyPr wrap="square" rtlCol="0">
+            <a:spAutoFit/>
+          </a:bodyPr>
+          <a:lstStyle/>
+          <a:p>
+            <a:r>
+              <a:rPr lang="fr-FR" sz="1200"/>
+              <a:t>f</a:t>
+            </a:r>
+            <a:r>
+              <a:rPr lang="fr-FR" sz="1200" smtClean="0"/>
+              <a:t>(Hz)</a:t>
+            </a:r>
+            <a:endParaRPr lang="fr-FR" sz="1200"/>
+          </a:p>
+        </p:txBody>
+      </p:sp>
+      <p:sp>
+        <p:nvSpPr>
+          <p:cNvPr id="5" name="ZoneTexte 4"/>
+          <p:cNvSpPr txBox="1"/>
+          <p:nvPr/>
+        </p:nvSpPr>
+        <p:spPr>
+          <a:xfrm>
+            <a:off x="4663480" y="2060847"/>
+            <a:ext cx="1204664" cy="276999"/>
+          </a:xfrm>
+          <a:prstGeom prst="rect">
+            <a:avLst/>
+          </a:prstGeom>
+          <a:noFill/>
+        </p:spPr>
+        <p:txBody>
+          <a:bodyPr wrap="square" rtlCol="0">
+            <a:spAutoFit/>
+          </a:bodyPr>
+          <a:lstStyle/>
+          <a:p>
+            <a:r>
+              <a:rPr lang="fr-FR" sz="1200" smtClean="0"/>
+              <a:t>U(V)</a:t>
+            </a:r>
+            <a:endParaRPr lang="fr-FR" sz="1200"/>
+          </a:p>
+        </p:txBody>
+      </p:sp>
     </p:spTree>
     <p:extLst>
       <p:ext uri="{BB962C8B-B14F-4D97-AF65-F5344CB8AC3E}">
@@ -6787,6 +7450,13 @@
   <p:clrMapOvr>
     <a:masterClrMapping/>
   </p:clrMapOvr>
+  <p:timing>
+    <p:tnLst>
+      <p:par>
+        <p:cTn id="1" dur="indefinite" restart="never" nodeType="tmRoot"/>
+      </p:par>
+    </p:tnLst>
+  </p:timing>
 </p:sld>
 </file>
 
@@ -6909,6 +7579,13 @@
   <p:clrMapOvr>
     <a:masterClrMapping/>
   </p:clrMapOvr>
+  <p:timing>
+    <p:tnLst>
+      <p:par>
+        <p:cTn id="1" dur="indefinite" restart="never" nodeType="tmRoot"/>
+      </p:par>
+    </p:tnLst>
+  </p:timing>
 </p:sld>
 </file>
 
@@ -6939,16 +7616,28 @@
             <p:ph type="title"/>
           </p:nvPr>
         </p:nvSpPr>
-        <p:spPr/>
+        <p:spPr>
+          <a:ln>
+            <a:noFill/>
+          </a:ln>
+        </p:spPr>
         <p:txBody>
           <a:bodyPr/>
           <a:lstStyle/>
           <a:p>
             <a:r>
-              <a:rPr lang="fr-FR" smtClean="0"/>
+              <a:rPr lang="fr-FR" smtClean="0">
+                <a:solidFill>
+                  <a:schemeClr val="accent1"/>
+                </a:solidFill>
+              </a:rPr>
               <a:t>Code réalisé</a:t>
             </a:r>
-            <a:endParaRPr lang="fr-FR"/>
+            <a:endParaRPr lang="fr-FR">
+              <a:solidFill>
+                <a:schemeClr val="accent1"/>
+              </a:solidFill>
+            </a:endParaRPr>
           </a:p>
         </p:txBody>
       </p:sp>
@@ -6963,7 +7652,7 @@
           </p:nvPr>
         </p:nvPicPr>
         <p:blipFill>
-          <a:blip r:embed="rId2">
+          <a:blip r:embed="rId3">
             <a:extLst>
               <a:ext uri="{28A0092B-C50C-407E-A947-70E740481C1C}">
                 <a14:useLocalDpi xmlns:a14="http://schemas.microsoft.com/office/drawing/2010/main" val="0"/>
@@ -7017,7 +7706,7 @@
           <p:nvPr/>
         </p:nvPicPr>
         <p:blipFill>
-          <a:blip r:embed="rId3">
+          <a:blip r:embed="rId4">
             <a:extLst>
               <a:ext uri="{28A0092B-C50C-407E-A947-70E740481C1C}">
                 <a14:useLocalDpi xmlns:a14="http://schemas.microsoft.com/office/drawing/2010/main" val="0"/>
@@ -7072,6 +7761,13 @@
   <p:clrMapOvr>
     <a:masterClrMapping/>
   </p:clrMapOvr>
+  <p:timing>
+    <p:tnLst>
+      <p:par>
+        <p:cTn id="1" dur="indefinite" restart="never" nodeType="tmRoot"/>
+      </p:par>
+    </p:tnLst>
+  </p:timing>
 </p:sld>
 </file>
 
@@ -7101,7 +7797,7 @@
           <p:nvPr/>
         </p:nvPicPr>
         <p:blipFill>
-          <a:blip r:embed="rId2">
+          <a:blip r:embed="rId3">
             <a:extLst>
               <a:ext uri="{28A0092B-C50C-407E-A947-70E740481C1C}">
                 <a14:useLocalDpi xmlns:a14="http://schemas.microsoft.com/office/drawing/2010/main" val="0"/>
@@ -7474,6 +8170,13 @@
   <p:clrMapOvr>
     <a:masterClrMapping/>
   </p:clrMapOvr>
+  <p:timing>
+    <p:tnLst>
+      <p:par>
+        <p:cTn id="1" dur="indefinite" restart="never" nodeType="tmRoot"/>
+      </p:par>
+    </p:tnLst>
+  </p:timing>
 </p:sld>
 </file>
 
@@ -7549,8 +8252,17 @@
             </a:pPr>
             <a:r>
               <a:rPr lang="fr-FR" sz="2800" dirty="0"/>
-              <a:t>utilisation du principe de résonnance </a:t>
-            </a:r>
+              <a:t>utilisation du principe </a:t>
+            </a:r>
+            <a:r>
+              <a:rPr lang="fr-FR" sz="2800"/>
+              <a:t>de </a:t>
+            </a:r>
+            <a:r>
+              <a:rPr lang="fr-FR" sz="2800" smtClean="0"/>
+              <a:t>résonance </a:t>
+            </a:r>
+            <a:endParaRPr lang="fr-FR" sz="2800" dirty="0"/>
           </a:p>
           <a:p>
             <a:pPr marL="285750" indent="-285750">
@@ -7594,6 +8306,100 @@
   <p:clrMapOvr>
     <a:masterClrMapping/>
   </p:clrMapOvr>
+  <p:timing>
+    <p:tnLst>
+      <p:par>
+        <p:cTn id="1" dur="indefinite" restart="never" nodeType="tmRoot"/>
+      </p:par>
+    </p:tnLst>
+  </p:timing>
+</p:sld>
+</file>
+
+<file path=ppt/slides/slide7.xml><?xml version="1.0" encoding="utf-8"?>
+<p:sld xmlns:a="http://schemas.openxmlformats.org/drawingml/2006/main" xmlns:r="http://schemas.openxmlformats.org/officeDocument/2006/relationships" xmlns:p="http://schemas.openxmlformats.org/presentationml/2006/main">
+  <p:cSld>
+    <p:spTree>
+      <p:nvGrpSpPr>
+        <p:cNvPr id="1" name=""/>
+        <p:cNvGrpSpPr/>
+        <p:nvPr/>
+      </p:nvGrpSpPr>
+      <p:grpSpPr>
+        <a:xfrm>
+          <a:off x="0" y="0"/>
+          <a:ext cx="0" cy="0"/>
+          <a:chOff x="0" y="0"/>
+          <a:chExt cx="0" cy="0"/>
+        </a:xfrm>
+      </p:grpSpPr>
+      <p:sp>
+        <p:nvSpPr>
+          <p:cNvPr id="3" name="Espace réservé du contenu 2"/>
+          <p:cNvSpPr>
+            <a:spLocks noGrp="1"/>
+          </p:cNvSpPr>
+          <p:nvPr>
+            <p:ph sz="quarter" idx="1"/>
+          </p:nvPr>
+        </p:nvSpPr>
+        <p:spPr/>
+        <p:txBody>
+          <a:bodyPr/>
+          <a:lstStyle/>
+          <a:p>
+            <a:pPr marL="0" indent="0">
+              <a:buNone/>
+            </a:pPr>
+            <a:endParaRPr lang="fr-FR" smtClean="0"/>
+          </a:p>
+          <a:p>
+            <a:pPr marL="0" indent="0">
+              <a:buNone/>
+            </a:pPr>
+            <a:endParaRPr lang="fr-FR"/>
+          </a:p>
+          <a:p>
+            <a:pPr marL="0" indent="0">
+              <a:buNone/>
+            </a:pPr>
+            <a:endParaRPr lang="fr-FR" smtClean="0"/>
+          </a:p>
+          <a:p>
+            <a:pPr marL="0" indent="0">
+              <a:buNone/>
+            </a:pPr>
+            <a:endParaRPr lang="fr-FR"/>
+          </a:p>
+          <a:p>
+            <a:pPr marL="0" indent="0" algn="ctr">
+              <a:buNone/>
+            </a:pPr>
+            <a:r>
+              <a:rPr lang="fr-FR" sz="4400" smtClean="0"/>
+              <a:t>Merci de votre attention </a:t>
+            </a:r>
+            <a:endParaRPr lang="fr-FR" sz="4400"/>
+          </a:p>
+        </p:txBody>
+      </p:sp>
+    </p:spTree>
+    <p:extLst>
+      <p:ext uri="{BB962C8B-B14F-4D97-AF65-F5344CB8AC3E}">
+        <p14:creationId xmlns:p14="http://schemas.microsoft.com/office/powerpoint/2010/main" val="1488396636"/>
+      </p:ext>
+    </p:extLst>
+  </p:cSld>
+  <p:clrMapOvr>
+    <a:masterClrMapping/>
+  </p:clrMapOvr>
+  <p:timing>
+    <p:tnLst>
+      <p:par>
+        <p:cTn id="1" dur="indefinite" restart="never" nodeType="tmRoot"/>
+      </p:par>
+    </p:tnLst>
+  </p:timing>
 </p:sld>
 </file>
 
